--- a/Presentasi Tugas Akhir.pptx
+++ b/Presentasi Tugas Akhir.pptx
@@ -118,6 +118,11 @@
       </a:defRPr>
     </a:lvl9pPr>
   </p:defaultTextStyle>
+  <p:extLst>
+    <p:ext uri="{EFAFB233-063F-42B5-8137-9DF3F51BA10A}">
+      <p15:sldGuideLst xmlns:p15="http://schemas.microsoft.com/office/powerpoint/2012/main"/>
+    </p:ext>
+  </p:extLst>
 </p:presentation>
 </file>
 
@@ -307,7 +312,7 @@
           <a:p>
             <a:fld id="{4AAD347D-5ACD-4C99-B74B-A9C85AD731AF}" type="datetimeFigureOut">
               <a:rPr lang="en-US" dirty="0"/>
-              <a:t>8/5/2016</a:t>
+              <a:t>8/8/2016</a:t>
             </a:fld>
             <a:endParaRPr lang="en-US" dirty="0"/>
           </a:p>
@@ -577,7 +582,7 @@
           <a:p>
             <a:fld id="{4509A250-FF31-4206-8172-F9D3106AACB1}" type="datetimeFigureOut">
               <a:rPr lang="en-US" dirty="0"/>
-              <a:t>8/5/2016</a:t>
+              <a:t>8/8/2016</a:t>
             </a:fld>
             <a:endParaRPr lang="en-US" dirty="0"/>
           </a:p>
@@ -766,7 +771,7 @@
           <a:p>
             <a:fld id="{4509A250-FF31-4206-8172-F9D3106AACB1}" type="datetimeFigureOut">
               <a:rPr lang="en-US" dirty="0"/>
-              <a:t>8/5/2016</a:t>
+              <a:t>8/8/2016</a:t>
             </a:fld>
             <a:endParaRPr lang="en-US" dirty="0"/>
           </a:p>
@@ -1034,7 +1039,7 @@
           <a:p>
             <a:fld id="{4509A250-FF31-4206-8172-F9D3106AACB1}" type="datetimeFigureOut">
               <a:rPr lang="en-US" dirty="0"/>
-              <a:t>8/5/2016</a:t>
+              <a:t>8/8/2016</a:t>
             </a:fld>
             <a:endParaRPr lang="en-US" dirty="0"/>
           </a:p>
@@ -1372,7 +1377,7 @@
           <a:p>
             <a:fld id="{4509A250-FF31-4206-8172-F9D3106AACB1}" type="datetimeFigureOut">
               <a:rPr lang="en-US" dirty="0"/>
-              <a:t>8/5/2016</a:t>
+              <a:t>8/8/2016</a:t>
             </a:fld>
             <a:endParaRPr lang="en-US" dirty="0"/>
           </a:p>
@@ -1990,7 +1995,7 @@
           <a:p>
             <a:fld id="{4509A250-FF31-4206-8172-F9D3106AACB1}" type="datetimeFigureOut">
               <a:rPr lang="en-US" dirty="0"/>
-              <a:t>8/5/2016</a:t>
+              <a:t>8/8/2016</a:t>
             </a:fld>
             <a:endParaRPr lang="en-US" dirty="0"/>
           </a:p>
@@ -2845,7 +2850,7 @@
           <a:p>
             <a:fld id="{4509A250-FF31-4206-8172-F9D3106AACB1}" type="datetimeFigureOut">
               <a:rPr lang="en-US" dirty="0"/>
-              <a:t>8/5/2016</a:t>
+              <a:t>8/8/2016</a:t>
             </a:fld>
             <a:endParaRPr lang="en-US" dirty="0"/>
           </a:p>
@@ -3032,7 +3037,7 @@
           <a:p>
             <a:fld id="{4509A250-FF31-4206-8172-F9D3106AACB1}" type="datetimeFigureOut">
               <a:rPr lang="en-US" dirty="0"/>
-              <a:t>8/5/2016</a:t>
+              <a:t>8/8/2016</a:t>
             </a:fld>
             <a:endParaRPr lang="en-US" dirty="0"/>
           </a:p>
@@ -3229,7 +3234,7 @@
           <a:p>
             <a:fld id="{4509A250-FF31-4206-8172-F9D3106AACB1}" type="datetimeFigureOut">
               <a:rPr lang="en-US" dirty="0"/>
-              <a:t>8/5/2016</a:t>
+              <a:t>8/8/2016</a:t>
             </a:fld>
             <a:endParaRPr lang="en-US" dirty="0"/>
           </a:p>
@@ -3414,7 +3419,7 @@
           <a:p>
             <a:fld id="{4509A250-FF31-4206-8172-F9D3106AACB1}" type="datetimeFigureOut">
               <a:rPr lang="en-US" dirty="0"/>
-              <a:t>8/5/2016</a:t>
+              <a:t>8/8/2016</a:t>
             </a:fld>
             <a:endParaRPr lang="en-US" dirty="0"/>
           </a:p>
@@ -3656,7 +3661,7 @@
           <a:p>
             <a:fld id="{9796027F-7875-4030-9381-8BD8C4F21935}" type="datetimeFigureOut">
               <a:rPr lang="en-US" dirty="0"/>
-              <a:t>8/5/2016</a:t>
+              <a:t>8/8/2016</a:t>
             </a:fld>
             <a:endParaRPr lang="en-US" dirty="0"/>
           </a:p>
@@ -3947,7 +3952,7 @@
           <a:p>
             <a:fld id="{9796027F-7875-4030-9381-8BD8C4F21935}" type="datetimeFigureOut">
               <a:rPr lang="en-US" dirty="0"/>
-              <a:t>8/5/2016</a:t>
+              <a:t>8/8/2016</a:t>
             </a:fld>
             <a:endParaRPr lang="en-US" dirty="0"/>
           </a:p>
@@ -4386,7 +4391,7 @@
           <a:p>
             <a:fld id="{9796027F-7875-4030-9381-8BD8C4F21935}" type="datetimeFigureOut">
               <a:rPr lang="en-US" dirty="0"/>
-              <a:t>8/5/2016</a:t>
+              <a:t>8/8/2016</a:t>
             </a:fld>
             <a:endParaRPr lang="en-US" dirty="0"/>
           </a:p>
@@ -4503,7 +4508,7 @@
           <a:p>
             <a:fld id="{4509A250-FF31-4206-8172-F9D3106AACB1}" type="datetimeFigureOut">
               <a:rPr lang="en-US" dirty="0"/>
-              <a:t>8/5/2016</a:t>
+              <a:t>8/8/2016</a:t>
             </a:fld>
             <a:endParaRPr lang="en-US" dirty="0"/>
           </a:p>
@@ -4593,7 +4598,7 @@
           <a:p>
             <a:fld id="{4509A250-FF31-4206-8172-F9D3106AACB1}" type="datetimeFigureOut">
               <a:rPr lang="en-US" dirty="0"/>
-              <a:t>8/5/2016</a:t>
+              <a:t>8/8/2016</a:t>
             </a:fld>
             <a:endParaRPr lang="en-US" dirty="0"/>
           </a:p>
@@ -4869,7 +4874,7 @@
           <a:p>
             <a:fld id="{4509A250-FF31-4206-8172-F9D3106AACB1}" type="datetimeFigureOut">
               <a:rPr lang="en-US" dirty="0"/>
-              <a:t>8/5/2016</a:t>
+              <a:t>8/8/2016</a:t>
             </a:fld>
             <a:endParaRPr lang="en-US" dirty="0"/>
           </a:p>
@@ -5139,7 +5144,7 @@
           <a:p>
             <a:fld id="{4509A250-FF31-4206-8172-F9D3106AACB1}" type="datetimeFigureOut">
               <a:rPr lang="en-US" dirty="0"/>
-              <a:t>8/5/2016</a:t>
+              <a:t>8/8/2016</a:t>
             </a:fld>
             <a:endParaRPr lang="en-US" dirty="0"/>
           </a:p>
@@ -5563,7 +5568,7 @@
           <a:p>
             <a:fld id="{4AAD347D-5ACD-4C99-B74B-A9C85AD731AF}" type="datetimeFigureOut">
               <a:rPr lang="en-US" dirty="0"/>
-              <a:t>8/5/2016</a:t>
+              <a:t>8/8/2016</a:t>
             </a:fld>
             <a:endParaRPr lang="en-US" dirty="0"/>
           </a:p>
@@ -6121,7 +6126,12 @@
             <p:ph type="subTitle" idx="1"/>
           </p:nvPr>
         </p:nvSpPr>
-        <p:spPr/>
+        <p:spPr>
+          <a:xfrm>
+            <a:off x="1154955" y="4777380"/>
+            <a:ext cx="8825658" cy="1121144"/>
+          </a:xfrm>
+        </p:spPr>
         <p:txBody>
           <a:bodyPr>
             <a:normAutofit/>
@@ -6130,7 +6140,13 @@
           <a:p>
             <a:r>
               <a:rPr lang="id-ID" sz="2800" dirty="0" smtClean="0"/>
-              <a:t>Presentasi tugas akhir</a:t>
+              <a:t>Juandy Hartanto (121110669)</a:t>
+            </a:r>
+          </a:p>
+          <a:p>
+            <a:r>
+              <a:rPr lang="id-ID" sz="2800" dirty="0" smtClean="0"/>
+              <a:t>Kelvin (121110651)</a:t>
             </a:r>
             <a:endParaRPr lang="id-ID" sz="2800" dirty="0"/>
           </a:p>
@@ -6146,13 +6162,13 @@
   <p:clrMapOvr>
     <a:masterClrMapping/>
   </p:clrMapOvr>
-  <mc:AlternateContent xmlns:mc="http://schemas.openxmlformats.org/markup-compatibility/2006">
-    <mc:Choice xmlns:p14="http://schemas.microsoft.com/office/powerpoint/2010/main" Requires="p14">
+  <mc:AlternateContent xmlns:mc="http://schemas.openxmlformats.org/markup-compatibility/2006" xmlns:p14="http://schemas.microsoft.com/office/powerpoint/2010/main">
+    <mc:Choice Requires="p14">
       <p:transition spd="med" p14:dur="700">
         <p:fade/>
       </p:transition>
     </mc:Choice>
-    <mc:Fallback>
+    <mc:Fallback xmlns="">
       <p:transition spd="med">
         <p:fade/>
       </p:transition>
@@ -6269,7 +6285,7 @@
           <a:p>
             <a:r>
               <a:rPr lang="id-ID" sz="2000" dirty="0" smtClean="0"/>
-              <a:t>Flowchart</a:t>
+              <a:t>Flowchart AFCEDP pada aplikasi</a:t>
             </a:r>
             <a:endParaRPr lang="id-ID" sz="2400" dirty="0"/>
           </a:p>
@@ -6285,13 +6301,13 @@
   <p:clrMapOvr>
     <a:masterClrMapping/>
   </p:clrMapOvr>
-  <mc:AlternateContent xmlns:mc="http://schemas.openxmlformats.org/markup-compatibility/2006">
-    <mc:Choice xmlns:p14="http://schemas.microsoft.com/office/powerpoint/2010/main" Requires="p14">
+  <mc:AlternateContent xmlns:mc="http://schemas.openxmlformats.org/markup-compatibility/2006" xmlns:p14="http://schemas.microsoft.com/office/powerpoint/2010/main">
+    <mc:Choice Requires="p14">
       <p:transition spd="med" p14:dur="700">
         <p:fade/>
       </p:transition>
     </mc:Choice>
-    <mc:Fallback>
+    <mc:Fallback xmlns="">
       <p:transition spd="med">
         <p:fade/>
       </p:transition>
@@ -6481,13 +6497,13 @@
   <p:clrMapOvr>
     <a:masterClrMapping/>
   </p:clrMapOvr>
-  <mc:AlternateContent xmlns:mc="http://schemas.openxmlformats.org/markup-compatibility/2006">
-    <mc:Choice xmlns:p14="http://schemas.microsoft.com/office/powerpoint/2010/main" Requires="p14">
+  <mc:AlternateContent xmlns:mc="http://schemas.openxmlformats.org/markup-compatibility/2006" xmlns:p14="http://schemas.microsoft.com/office/powerpoint/2010/main">
+    <mc:Choice Requires="p14">
       <p:transition spd="med" p14:dur="700">
         <p:fade/>
       </p:transition>
     </mc:Choice>
-    <mc:Fallback>
+    <mc:Fallback xmlns="">
       <p:transition spd="med">
         <p:fade/>
       </p:transition>
@@ -6629,13 +6645,13 @@
   <p:clrMapOvr>
     <a:masterClrMapping/>
   </p:clrMapOvr>
-  <mc:AlternateContent xmlns:mc="http://schemas.openxmlformats.org/markup-compatibility/2006">
-    <mc:Choice xmlns:p14="http://schemas.microsoft.com/office/powerpoint/2010/main" Requires="p14">
+  <mc:AlternateContent xmlns:mc="http://schemas.openxmlformats.org/markup-compatibility/2006" xmlns:p14="http://schemas.microsoft.com/office/powerpoint/2010/main">
+    <mc:Choice Requires="p14">
       <p:transition spd="med" p14:dur="700">
         <p:fade/>
       </p:transition>
     </mc:Choice>
-    <mc:Fallback>
+    <mc:Fallback xmlns="">
       <p:transition spd="med">
         <p:fade/>
       </p:transition>
@@ -6793,13 +6809,13 @@
   <p:clrMapOvr>
     <a:masterClrMapping/>
   </p:clrMapOvr>
-  <mc:AlternateContent xmlns:mc="http://schemas.openxmlformats.org/markup-compatibility/2006">
-    <mc:Choice xmlns:p14="http://schemas.microsoft.com/office/powerpoint/2010/main" Requires="p14">
+  <mc:AlternateContent xmlns:mc="http://schemas.openxmlformats.org/markup-compatibility/2006" xmlns:p14="http://schemas.microsoft.com/office/powerpoint/2010/main">
+    <mc:Choice Requires="p14">
       <p:transition spd="med" p14:dur="700">
         <p:fade/>
       </p:transition>
     </mc:Choice>
-    <mc:Fallback>
+    <mc:Fallback xmlns="">
       <p:transition spd="med">
         <p:fade/>
       </p:transition>
@@ -7123,7 +7139,6 @@
               <a:rPr lang="id-ID" dirty="0"/>
               <a:t>) dari citra hasil.</a:t>
             </a:r>
-            <a:endParaRPr lang="id-ID" dirty="0"/>
           </a:p>
         </p:txBody>
       </p:sp>
@@ -7137,13 +7152,13 @@
   <p:clrMapOvr>
     <a:masterClrMapping/>
   </p:clrMapOvr>
-  <mc:AlternateContent xmlns:mc="http://schemas.openxmlformats.org/markup-compatibility/2006">
-    <mc:Choice xmlns:p14="http://schemas.microsoft.com/office/powerpoint/2010/main" Requires="p14">
+  <mc:AlternateContent xmlns:mc="http://schemas.openxmlformats.org/markup-compatibility/2006" xmlns:p14="http://schemas.microsoft.com/office/powerpoint/2010/main">
+    <mc:Choice Requires="p14">
       <p:transition spd="med" p14:dur="700">
         <p:fade/>
       </p:transition>
     </mc:Choice>
-    <mc:Fallback>
+    <mc:Fallback xmlns="">
       <p:transition spd="med">
         <p:fade/>
       </p:transition>
@@ -7437,13 +7452,13 @@
   <p:clrMapOvr>
     <a:masterClrMapping/>
   </p:clrMapOvr>
-  <mc:AlternateContent xmlns:mc="http://schemas.openxmlformats.org/markup-compatibility/2006">
-    <mc:Choice xmlns:p14="http://schemas.microsoft.com/office/powerpoint/2010/main" Requires="p14">
+  <mc:AlternateContent xmlns:mc="http://schemas.openxmlformats.org/markup-compatibility/2006" xmlns:p14="http://schemas.microsoft.com/office/powerpoint/2010/main">
+    <mc:Choice Requires="p14">
       <p:transition spd="med" p14:dur="700">
         <p:fade/>
       </p:transition>
     </mc:Choice>
-    <mc:Fallback>
+    <mc:Fallback xmlns="">
       <p:transition spd="med">
         <p:fade/>
       </p:transition>
@@ -7556,13 +7571,13 @@
   <p:clrMapOvr>
     <a:masterClrMapping/>
   </p:clrMapOvr>
-  <mc:AlternateContent xmlns:mc="http://schemas.openxmlformats.org/markup-compatibility/2006">
-    <mc:Choice xmlns:p14="http://schemas.microsoft.com/office/powerpoint/2010/main" Requires="p14">
+  <mc:AlternateContent xmlns:mc="http://schemas.openxmlformats.org/markup-compatibility/2006" xmlns:p14="http://schemas.microsoft.com/office/powerpoint/2010/main">
+    <mc:Choice Requires="p14">
       <p:transition spd="med" p14:dur="700">
         <p:fade/>
       </p:transition>
     </mc:Choice>
-    <mc:Fallback>
+    <mc:Fallback xmlns="">
       <p:transition spd="med">
         <p:fade/>
       </p:transition>
@@ -7988,13 +8003,13 @@
   <p:clrMapOvr>
     <a:masterClrMapping/>
   </p:clrMapOvr>
-  <mc:AlternateContent xmlns:mc="http://schemas.openxmlformats.org/markup-compatibility/2006">
-    <mc:Choice xmlns:p14="http://schemas.microsoft.com/office/powerpoint/2010/main" Requires="p14">
+  <mc:AlternateContent xmlns:mc="http://schemas.openxmlformats.org/markup-compatibility/2006" xmlns:p14="http://schemas.microsoft.com/office/powerpoint/2010/main">
+    <mc:Choice Requires="p14">
       <p:transition spd="med" p14:dur="700">
         <p:fade/>
       </p:transition>
     </mc:Choice>
-    <mc:Fallback>
+    <mc:Fallback xmlns="">
       <p:transition spd="med">
         <p:fade/>
       </p:transition>
@@ -8177,27 +8192,34 @@
       </p:grpSpPr>
       <p:sp>
         <p:nvSpPr>
-          <p:cNvPr id="2" name="Title 1"/>
-          <p:cNvSpPr>
-            <a:spLocks noGrp="1"/>
-          </p:cNvSpPr>
-          <p:nvPr>
-            <p:ph type="title"/>
-          </p:nvPr>
-        </p:nvSpPr>
-        <p:spPr>
-          <a:xfrm>
-            <a:off x="645130" y="652388"/>
-            <a:ext cx="9404723" cy="1400530"/>
-          </a:xfrm>
-        </p:spPr>
+          <p:cNvPr id="3" name="Content Placeholder 2"/>
+          <p:cNvSpPr>
+            <a:spLocks noGrp="1"/>
+          </p:cNvSpPr>
+          <p:nvPr>
+            <p:ph idx="1"/>
+          </p:nvPr>
+        </p:nvSpPr>
+        <p:spPr/>
         <p:txBody>
           <a:bodyPr/>
           <a:lstStyle/>
           <a:p>
             <a:r>
               <a:rPr lang="id-ID" dirty="0" smtClean="0"/>
-              <a:t>Rumusan Masalah</a:t>
+              <a:t>Apakah AFCEDP mampu meningkatkan kontras dan menjaga kelestarian citra grayscale.</a:t>
+            </a:r>
+          </a:p>
+          <a:p>
+            <a:r>
+              <a:rPr lang="id-ID" dirty="0" smtClean="0"/>
+              <a:t>Bagaimana pengaruh c1 dan c2 serta batas atas dan bawah HE terhadap citra hasil.</a:t>
+            </a:r>
+          </a:p>
+          <a:p>
+            <a:r>
+              <a:rPr lang="id-ID" dirty="0" smtClean="0"/>
+              <a:t>Bagaimana membandingkan citra keluaran dari AFCEDP dengan ACEDP.</a:t>
             </a:r>
             <a:endParaRPr lang="id-ID" dirty="0"/>
           </a:p>
@@ -8205,12 +8227,12 @@
       </p:sp>
       <p:sp>
         <p:nvSpPr>
-          <p:cNvPr id="3" name="Content Placeholder 2"/>
-          <p:cNvSpPr>
-            <a:spLocks noGrp="1"/>
-          </p:cNvSpPr>
-          <p:nvPr>
-            <p:ph idx="1"/>
+          <p:cNvPr id="4" name="Title 3"/>
+          <p:cNvSpPr>
+            <a:spLocks noGrp="1"/>
+          </p:cNvSpPr>
+          <p:nvPr>
+            <p:ph type="title"/>
           </p:nvPr>
         </p:nvSpPr>
         <p:spPr/>
@@ -8220,19 +8242,7 @@
           <a:p>
             <a:r>
               <a:rPr lang="id-ID" dirty="0" smtClean="0"/>
-              <a:t>Apakah AFCEDP mampu meningkatkan kontras dan menjaga kelestarian citra grayscale.</a:t>
-            </a:r>
-          </a:p>
-          <a:p>
-            <a:r>
-              <a:rPr lang="id-ID" dirty="0" smtClean="0"/>
-              <a:t>Bagaimana pengaruh c1 dan c2 serta batas atas dan bawah HE terhadap citra hasil.</a:t>
-            </a:r>
-          </a:p>
-          <a:p>
-            <a:r>
-              <a:rPr lang="id-ID" dirty="0" smtClean="0"/>
-              <a:t>Bagaimana membandingkan citra keluaran dari AFCEDP dengan ACEDP.</a:t>
+              <a:t>Rumusan Masalah</a:t>
             </a:r>
             <a:endParaRPr lang="id-ID" dirty="0"/>
           </a:p>
@@ -8248,13 +8258,13 @@
   <p:clrMapOvr>
     <a:masterClrMapping/>
   </p:clrMapOvr>
-  <mc:AlternateContent xmlns:mc="http://schemas.openxmlformats.org/markup-compatibility/2006">
-    <mc:Choice xmlns:p14="http://schemas.microsoft.com/office/powerpoint/2010/main" Requires="p14">
+  <mc:AlternateContent xmlns:mc="http://schemas.openxmlformats.org/markup-compatibility/2006" xmlns:p14="http://schemas.microsoft.com/office/powerpoint/2010/main">
+    <mc:Choice Requires="p14">
       <p:transition spd="med" p14:dur="700">
         <p:fade/>
       </p:transition>
     </mc:Choice>
-    <mc:Fallback>
+    <mc:Fallback xmlns="">
       <p:transition spd="med">
         <p:fade/>
       </p:transition>
@@ -8660,13 +8670,13 @@
   <p:clrMapOvr>
     <a:masterClrMapping/>
   </p:clrMapOvr>
-  <mc:AlternateContent xmlns:mc="http://schemas.openxmlformats.org/markup-compatibility/2006">
-    <mc:Choice xmlns:p14="http://schemas.microsoft.com/office/powerpoint/2010/main" Requires="p14">
+  <mc:AlternateContent xmlns:mc="http://schemas.openxmlformats.org/markup-compatibility/2006" xmlns:p14="http://schemas.microsoft.com/office/powerpoint/2010/main">
+    <mc:Choice Requires="p14">
       <p:transition spd="med" p14:dur="700">
         <p:fade/>
       </p:transition>
     </mc:Choice>
-    <mc:Fallback>
+    <mc:Fallback xmlns="">
       <p:transition spd="med">
         <p:fade/>
       </p:transition>
@@ -9147,13 +9157,13 @@
   <p:clrMapOvr>
     <a:masterClrMapping/>
   </p:clrMapOvr>
-  <mc:AlternateContent xmlns:mc="http://schemas.openxmlformats.org/markup-compatibility/2006">
-    <mc:Choice xmlns:p14="http://schemas.microsoft.com/office/powerpoint/2010/main" Requires="p14">
+  <mc:AlternateContent xmlns:mc="http://schemas.openxmlformats.org/markup-compatibility/2006" xmlns:p14="http://schemas.microsoft.com/office/powerpoint/2010/main">
+    <mc:Choice Requires="p14">
       <p:transition spd="med" p14:dur="700">
         <p:fade/>
       </p:transition>
     </mc:Choice>
-    <mc:Fallback>
+    <mc:Fallback xmlns="">
       <p:transition spd="med">
         <p:fade/>
       </p:transition>
@@ -9406,13 +9416,13 @@
   <p:clrMapOvr>
     <a:masterClrMapping/>
   </p:clrMapOvr>
-  <mc:AlternateContent xmlns:mc="http://schemas.openxmlformats.org/markup-compatibility/2006">
-    <mc:Choice xmlns:p14="http://schemas.microsoft.com/office/powerpoint/2010/main" Requires="p14">
+  <mc:AlternateContent xmlns:mc="http://schemas.openxmlformats.org/markup-compatibility/2006" xmlns:p14="http://schemas.microsoft.com/office/powerpoint/2010/main">
+    <mc:Choice Requires="p14">
       <p:transition spd="med" p14:dur="700">
         <p:fade/>
       </p:transition>
     </mc:Choice>
-    <mc:Fallback>
+    <mc:Fallback xmlns="">
       <p:transition spd="med">
         <p:fade/>
       </p:transition>
@@ -9640,13 +9650,13 @@
   <p:clrMapOvr>
     <a:masterClrMapping/>
   </p:clrMapOvr>
-  <mc:AlternateContent xmlns:mc="http://schemas.openxmlformats.org/markup-compatibility/2006">
-    <mc:Choice xmlns:p14="http://schemas.microsoft.com/office/powerpoint/2010/main" Requires="p14">
+  <mc:AlternateContent xmlns:mc="http://schemas.openxmlformats.org/markup-compatibility/2006" xmlns:p14="http://schemas.microsoft.com/office/powerpoint/2010/main">
+    <mc:Choice Requires="p14">
       <p:transition spd="med" p14:dur="700">
         <p:fade/>
       </p:transition>
     </mc:Choice>
-    <mc:Fallback>
+    <mc:Fallback xmlns="">
       <p:transition spd="med">
         <p:fade/>
       </p:transition>
@@ -9913,13 +9923,13 @@
   <p:clrMapOvr>
     <a:masterClrMapping/>
   </p:clrMapOvr>
-  <mc:AlternateContent xmlns:mc="http://schemas.openxmlformats.org/markup-compatibility/2006">
-    <mc:Choice xmlns:p14="http://schemas.microsoft.com/office/powerpoint/2010/main" Requires="p14">
+  <mc:AlternateContent xmlns:mc="http://schemas.openxmlformats.org/markup-compatibility/2006" xmlns:p14="http://schemas.microsoft.com/office/powerpoint/2010/main">
+    <mc:Choice Requires="p14">
       <p:transition spd="med" p14:dur="700">
         <p:fade/>
       </p:transition>
     </mc:Choice>
-    <mc:Fallback>
+    <mc:Fallback xmlns="">
       <p:transition spd="med">
         <p:fade/>
       </p:transition>

--- a/Presentasi Tugas Akhir.pptx
+++ b/Presentasi Tugas Akhir.pptx
@@ -8235,7 +8235,12 @@
             <p:ph type="title"/>
           </p:nvPr>
         </p:nvSpPr>
-        <p:spPr/>
+        <p:spPr>
+          <a:xfrm>
+            <a:off x="646111" y="452718"/>
+            <a:ext cx="9404723" cy="1400530"/>
+          </a:xfrm>
+        </p:spPr>
         <p:txBody>
           <a:bodyPr/>
           <a:lstStyle/>
